--- a/egyetemi_feleves_cuccok/4_szemeszter/adatbé2/előadások/l03.pptx
+++ b/egyetemi_feleves_cuccok/4_szemeszter/adatbé2/előadások/l03.pptx
@@ -222,7 +222,7 @@
           <a:p>
             <a:fld id="{1D8BD707-D9CF-40AE-B4C6-C98DA3205C09}" type="datetimeFigureOut">
               <a:rPr lang="en-US"/>
-              <a:t>3/8/2025</a:t>
+              <a:t>5/1/2025</a:t>
             </a:fld>
             <a:endParaRPr lang="en-US"/>
           </a:p>
@@ -399,7 +399,7 @@
           <a:p>
             <a:fld id="{1D8BD707-D9CF-40AE-B4C6-C98DA3205C09}" type="datetimeFigureOut">
               <a:rPr lang="en-US"/>
-              <a:t>3/8/2025</a:t>
+              <a:t>5/1/2025</a:t>
             </a:fld>
             <a:endParaRPr lang="en-US"/>
           </a:p>
@@ -613,7 +613,7 @@
           <a:p>
             <a:fld id="{1D8BD707-D9CF-40AE-B4C6-C98DA3205C09}" type="datetimeFigureOut">
               <a:rPr lang="en-US"/>
-              <a:t>3/8/2025</a:t>
+              <a:t>5/1/2025</a:t>
             </a:fld>
             <a:endParaRPr lang="en-US"/>
           </a:p>
@@ -761,7 +761,7 @@
           <a:p>
             <a:fld id="{1D8BD707-D9CF-40AE-B4C6-C98DA3205C09}" type="datetimeFigureOut">
               <a:rPr lang="en-US"/>
-              <a:t>3/8/2025</a:t>
+              <a:t>5/1/2025</a:t>
             </a:fld>
             <a:endParaRPr lang="en-US"/>
           </a:p>
@@ -1402,7 +1402,7 @@
           <a:p>
             <a:fld id="{1D8BD707-D9CF-40AE-B4C6-C98DA3205C09}" type="datetimeFigureOut">
               <a:rPr lang="en-US"/>
-              <a:t>3/8/2025</a:t>
+              <a:t>5/1/2025</a:t>
             </a:fld>
             <a:endParaRPr lang="en-US"/>
           </a:p>
@@ -2219,7 +2219,7 @@
           <a:p>
             <a:fld id="{1D8BD707-D9CF-40AE-B4C6-C98DA3205C09}" type="datetimeFigureOut">
               <a:rPr lang="en-US"/>
-              <a:t>3/8/2025</a:t>
+              <a:t>5/1/2025</a:t>
             </a:fld>
             <a:endParaRPr lang="en-US"/>
           </a:p>
@@ -12758,6 +12758,9 @@
             </a:r>
             <a:r>
               <a:rPr sz="1900" dirty="0">
+                <a:highlight>
+                  <a:srgbClr val="FFFF00"/>
+                </a:highlight>
                 <a:latin typeface="Georgia"/>
                 <a:cs typeface="Georgia"/>
               </a:rPr>
@@ -12800,6 +12803,9 @@
             </a:r>
             <a:r>
               <a:rPr sz="1900" dirty="0">
+                <a:highlight>
+                  <a:srgbClr val="FFFF00"/>
+                </a:highlight>
                 <a:latin typeface="Georgia"/>
                 <a:cs typeface="Georgia"/>
               </a:rPr>
@@ -12807,13 +12813,19 @@
             </a:r>
             <a:r>
               <a:rPr sz="1900" spc="-50" dirty="0">
-                <a:latin typeface="Georgia"/>
-                <a:cs typeface="Georgia"/>
-              </a:rPr>
-              <a:t> </a:t>
-            </a:r>
-            <a:r>
-              <a:rPr sz="1900" dirty="0">
+                <a:highlight>
+                  <a:srgbClr val="FFFF00"/>
+                </a:highlight>
+                <a:latin typeface="Georgia"/>
+                <a:cs typeface="Georgia"/>
+              </a:rPr>
+              <a:t> </a:t>
+            </a:r>
+            <a:r>
+              <a:rPr sz="1900" dirty="0">
+                <a:highlight>
+                  <a:srgbClr val="FFFF00"/>
+                </a:highlight>
                 <a:latin typeface="Georgia"/>
                 <a:cs typeface="Georgia"/>
               </a:rPr>
@@ -12821,13 +12833,19 @@
             </a:r>
             <a:r>
               <a:rPr sz="1900" spc="-60" dirty="0">
-                <a:latin typeface="Georgia"/>
-                <a:cs typeface="Georgia"/>
-              </a:rPr>
-              <a:t> </a:t>
-            </a:r>
-            <a:r>
-              <a:rPr sz="1900" dirty="0">
+                <a:highlight>
+                  <a:srgbClr val="FFFF00"/>
+                </a:highlight>
+                <a:latin typeface="Georgia"/>
+                <a:cs typeface="Georgia"/>
+              </a:rPr>
+              <a:t> </a:t>
+            </a:r>
+            <a:r>
+              <a:rPr sz="1900" dirty="0">
+                <a:highlight>
+                  <a:srgbClr val="FFFF00"/>
+                </a:highlight>
                 <a:latin typeface="Georgia"/>
                 <a:cs typeface="Georgia"/>
               </a:rPr>
@@ -12835,6 +12853,9 @@
             </a:r>
             <a:r>
               <a:rPr sz="1900" spc="-55" dirty="0">
+                <a:highlight>
+                  <a:srgbClr val="FFFF00"/>
+                </a:highlight>
                 <a:latin typeface="Georgia"/>
                 <a:cs typeface="Georgia"/>
               </a:rPr>
@@ -12842,6 +12863,9 @@
             </a:r>
             <a:r>
               <a:rPr sz="1900" spc="-10" dirty="0">
+                <a:highlight>
+                  <a:srgbClr val="FFFF00"/>
+                </a:highlight>
                 <a:latin typeface="Georgia"/>
                 <a:cs typeface="Georgia"/>
               </a:rPr>
@@ -12849,6 +12873,9 @@
             </a:r>
             <a:r>
               <a:rPr sz="1900" dirty="0">
+                <a:highlight>
+                  <a:srgbClr val="FFFF00"/>
+                </a:highlight>
                 <a:latin typeface="Georgia"/>
                 <a:cs typeface="Georgia"/>
               </a:rPr>
@@ -12856,6 +12883,9 @@
             </a:r>
             <a:r>
               <a:rPr sz="1900" spc="-25" dirty="0">
+                <a:highlight>
+                  <a:srgbClr val="FFFF00"/>
+                </a:highlight>
                 <a:latin typeface="Georgia"/>
                 <a:cs typeface="Georgia"/>
               </a:rPr>
@@ -12863,12 +12893,18 @@
             </a:r>
             <a:r>
               <a:rPr sz="1900" spc="-10" dirty="0">
+                <a:highlight>
+                  <a:srgbClr val="FFFF00"/>
+                </a:highlight>
                 <a:latin typeface="Georgia"/>
                 <a:cs typeface="Georgia"/>
               </a:rPr>
               <a:t>lekérdezését.</a:t>
             </a:r>
             <a:endParaRPr sz="1900" dirty="0">
+              <a:highlight>
+                <a:srgbClr val="FFFF00"/>
+              </a:highlight>
               <a:latin typeface="Georgia"/>
               <a:cs typeface="Georgia"/>
             </a:endParaRPr>
@@ -41419,6 +41455,9 @@
             </a:r>
             <a:r>
               <a:rPr sz="1900" dirty="0">
+                <a:highlight>
+                  <a:srgbClr val="FFFF00"/>
+                </a:highlight>
                 <a:latin typeface="Georgia"/>
                 <a:cs typeface="Georgia"/>
               </a:rPr>
@@ -42213,10 +42252,20 @@
             </a:r>
             <a:r>
               <a:rPr sz="1900" spc="-20" dirty="0">
-                <a:latin typeface="Georgia"/>
-                <a:cs typeface="Georgia"/>
-              </a:rPr>
-              <a:t>IBM-nél.</a:t>
+                <a:highlight>
+                  <a:srgbClr val="FFFF00"/>
+                </a:highlight>
+                <a:latin typeface="Georgia"/>
+                <a:cs typeface="Georgia"/>
+              </a:rPr>
+              <a:t>IBM-nél</a:t>
+            </a:r>
+            <a:r>
+              <a:rPr sz="1900" spc="-20" dirty="0">
+                <a:latin typeface="Georgia"/>
+                <a:cs typeface="Georgia"/>
+              </a:rPr>
+              <a:t>.</a:t>
             </a:r>
             <a:endParaRPr sz="1900" dirty="0">
               <a:latin typeface="Georgia"/>
